--- a/9 内部排序.pptx
+++ b/9 内部排序.pptx
@@ -4376,7 +4376,7 @@
               <a:buChar char="Ø"/>
             </a:pPr>
             <a:r>
-              <a:rPr kumimoji="1" lang="zh-CN" altLang="en-US" sz="2800">
+              <a:rPr kumimoji="1" lang="zh-CN" altLang="en-US" sz="2800" dirty="0">
                 <a:latin typeface="Microsoft YaHei" panose="020B0503020204020204" pitchFamily="34" charset="-122"/>
                 <a:ea typeface="Microsoft YaHei" panose="020B0503020204020204" pitchFamily="34" charset="-122"/>
               </a:rPr>
@@ -4386,6 +4386,38 @@
               <a:latin typeface="Microsoft YaHei" panose="020B0503020204020204" pitchFamily="34" charset="-122"/>
               <a:ea typeface="Microsoft YaHei" panose="020B0503020204020204" pitchFamily="34" charset="-122"/>
             </a:endParaRPr>
+          </a:p>
+        </p:txBody>
+      </p:sp>
+      <p:sp>
+        <p:nvSpPr>
+          <p:cNvPr id="3" name="文本框 2">
+            <a:extLst>
+              <a:ext uri="{FF2B5EF4-FFF2-40B4-BE49-F238E27FC236}">
+                <a16:creationId xmlns:a16="http://schemas.microsoft.com/office/drawing/2014/main" id="{085BB389-D117-7A46-8F28-BECE634663A1}"/>
+              </a:ext>
+            </a:extLst>
+          </p:cNvPr>
+          <p:cNvSpPr txBox="1"/>
+          <p:nvPr/>
+        </p:nvSpPr>
+        <p:spPr>
+          <a:xfrm>
+            <a:off x="1101436" y="2847109"/>
+            <a:ext cx="184731" cy="369332"/>
+          </a:xfrm>
+          <a:prstGeom prst="rect">
+            <a:avLst/>
+          </a:prstGeom>
+          <a:noFill/>
+        </p:spPr>
+        <p:txBody>
+          <a:bodyPr wrap="none" rtlCol="0">
+            <a:spAutoFit/>
+          </a:bodyPr>
+          <a:lstStyle/>
+          <a:p>
+            <a:endParaRPr kumimoji="1" lang="zh-CN" altLang="en-US"/>
           </a:p>
         </p:txBody>
       </p:sp>
